--- a/项目汇报/诊断报告部分PPT（胡育铨）.pptx
+++ b/项目汇报/诊断报告部分PPT（胡育铨）.pptx
@@ -5,7 +5,7 @@
     <p:sldMasterId id="2147483648" r:id="rId1"/>
   </p:sldMasterIdLst>
   <p:notesMasterIdLst>
-    <p:notesMasterId r:id="rId18"/>
+    <p:notesMasterId r:id="rId19"/>
   </p:notesMasterIdLst>
   <p:sldIdLst>
     <p:sldId id="256" r:id="rId2"/>
@@ -24,6 +24,7 @@
     <p:sldId id="295" r:id="rId15"/>
     <p:sldId id="296" r:id="rId16"/>
     <p:sldId id="298" r:id="rId17"/>
+    <p:sldId id="301" r:id="rId18"/>
   </p:sldIdLst>
   <p:sldSz cx="9144000" cy="5143500" type="screen16x9"/>
   <p:notesSz cx="6858000" cy="9144000"/>
@@ -7220,7 +7221,7 @@
           <a:graphicData uri="http://schemas.openxmlformats.org/presentationml/2006/ole">
             <mc:AlternateContent xmlns:mc="http://schemas.openxmlformats.org/markup-compatibility/2006">
               <mc:Choice xmlns:v="urn:schemas-microsoft-com:vml" Requires="v">
-                <p:oleObj spid="_x0000_s10244" name="Visio" r:id="rId3" imgW="2514387" imgH="3100947" progId="Visio.Drawing.15">
+                <p:oleObj spid="_x0000_s10246" name="Visio" r:id="rId3" imgW="2514387" imgH="3100947" progId="Visio.Drawing.15">
                   <p:embed/>
                 </p:oleObj>
               </mc:Choice>
@@ -7308,7 +7309,7 @@
           <a:graphicData uri="http://schemas.openxmlformats.org/presentationml/2006/ole">
             <mc:AlternateContent xmlns:mc="http://schemas.openxmlformats.org/markup-compatibility/2006">
               <mc:Choice xmlns:v="urn:schemas-microsoft-com:vml" Requires="v">
-                <p:oleObj spid="_x0000_s10245" name="Visio" r:id="rId5" imgW="2522043" imgH="2765824" progId="Visio.Drawing.15">
+                <p:oleObj spid="_x0000_s10247" name="Visio" r:id="rId5" imgW="2522043" imgH="2765824" progId="Visio.Drawing.15">
                   <p:embed/>
                 </p:oleObj>
               </mc:Choice>
@@ -7531,7 +7532,7 @@
           <a:graphicData uri="http://schemas.openxmlformats.org/presentationml/2006/ole">
             <mc:AlternateContent xmlns:mc="http://schemas.openxmlformats.org/markup-compatibility/2006">
               <mc:Choice xmlns:v="urn:schemas-microsoft-com:vml" Requires="v">
-                <p:oleObj spid="_x0000_s11269" name="Visio" r:id="rId3" imgW="2522043" imgH="2765824" progId="Visio.Drawing.15">
+                <p:oleObj spid="_x0000_s11272" name="Visio" r:id="rId3" imgW="2522043" imgH="2765824" progId="Visio.Drawing.15">
                   <p:embed/>
                 </p:oleObj>
               </mc:Choice>
@@ -7619,7 +7620,7 @@
           <a:graphicData uri="http://schemas.openxmlformats.org/presentationml/2006/ole">
             <mc:AlternateContent xmlns:mc="http://schemas.openxmlformats.org/markup-compatibility/2006">
               <mc:Choice xmlns:v="urn:schemas-microsoft-com:vml" Requires="v">
-                <p:oleObj spid="_x0000_s11270" name="Visio" r:id="rId5" imgW="2522043" imgH="2765824" progId="Visio.Drawing.15">
+                <p:oleObj spid="_x0000_s11273" name="Visio" r:id="rId5" imgW="2522043" imgH="2765824" progId="Visio.Drawing.15">
                   <p:embed/>
                 </p:oleObj>
               </mc:Choice>
@@ -7707,7 +7708,7 @@
           <a:graphicData uri="http://schemas.openxmlformats.org/presentationml/2006/ole">
             <mc:AlternateContent xmlns:mc="http://schemas.openxmlformats.org/markup-compatibility/2006">
               <mc:Choice xmlns:v="urn:schemas-microsoft-com:vml" Requires="v">
-                <p:oleObj spid="_x0000_s11271" name="Visio" r:id="rId7" imgW="2529698" imgH="2765824" progId="Visio.Drawing.15">
+                <p:oleObj spid="_x0000_s11274" name="Visio" r:id="rId7" imgW="2529698" imgH="2765824" progId="Visio.Drawing.15">
                   <p:embed/>
                 </p:oleObj>
               </mc:Choice>
@@ -10205,6 +10206,150 @@
     <p:extLst>
       <p:ext uri="{BB962C8B-B14F-4D97-AF65-F5344CB8AC3E}">
         <p14:creationId xmlns:p14="http://schemas.microsoft.com/office/powerpoint/2010/main" val="2613627885"/>
+      </p:ext>
+    </p:extLst>
+  </p:cSld>
+  <p:clrMapOvr>
+    <a:masterClrMapping/>
+  </p:clrMapOvr>
+</p:sld>
+</file>
+
+<file path=ppt/slides/slide17.xml><?xml version="1.0" encoding="utf-8"?>
+<p:sld xmlns:a="http://schemas.openxmlformats.org/drawingml/2006/main" xmlns:r="http://schemas.openxmlformats.org/officeDocument/2006/relationships" xmlns:p="http://schemas.openxmlformats.org/presentationml/2006/main">
+  <p:cSld>
+    <p:spTree>
+      <p:nvGrpSpPr>
+        <p:cNvPr id="1" name=""/>
+        <p:cNvGrpSpPr/>
+        <p:nvPr/>
+      </p:nvGrpSpPr>
+      <p:grpSpPr>
+        <a:xfrm>
+          <a:off x="0" y="0"/>
+          <a:ext cx="0" cy="0"/>
+          <a:chOff x="0" y="0"/>
+          <a:chExt cx="0" cy="0"/>
+        </a:xfrm>
+      </p:grpSpPr>
+      <p:sp>
+        <p:nvSpPr>
+          <p:cNvPr id="39" name="Text Box 42"/>
+          <p:cNvSpPr txBox="1">
+            <a:spLocks noChangeArrowheads="1"/>
+          </p:cNvSpPr>
+          <p:nvPr/>
+        </p:nvSpPr>
+        <p:spPr bwMode="auto">
+          <a:xfrm>
+            <a:off x="6300192" y="2139047"/>
+            <a:ext cx="2247731" cy="461665"/>
+          </a:xfrm>
+          <a:prstGeom prst="rect">
+            <a:avLst/>
+          </a:prstGeom>
+          <a:noFill/>
+          <a:ln>
+            <a:noFill/>
+          </a:ln>
+          <a:effectLst/>
+          <a:extLst>
+            <a:ext uri="{909E8E84-426E-40DD-AFC4-6F175D3DCCD1}">
+              <a14:hiddenFill xmlns:a14="http://schemas.microsoft.com/office/drawing/2010/main">
+                <a:solidFill>
+                  <a:schemeClr val="accent1"/>
+                </a:solidFill>
+              </a14:hiddenFill>
+            </a:ext>
+            <a:ext uri="{91240B29-F687-4F45-9708-019B960494DF}">
+              <a14:hiddenLine xmlns:a14="http://schemas.microsoft.com/office/drawing/2010/main" w="9525">
+                <a:solidFill>
+                  <a:srgbClr val="000000"/>
+                </a:solidFill>
+                <a:miter lim="800000"/>
+                <a:headEnd/>
+                <a:tailEnd/>
+              </a14:hiddenLine>
+            </a:ext>
+            <a:ext uri="{AF507438-7753-43E0-B8FC-AC1667EBCBE1}">
+              <a14:hiddenEffects xmlns:a14="http://schemas.microsoft.com/office/drawing/2010/main">
+                <a:effectLst>
+                  <a:outerShdw dist="35921" dir="2700000" algn="ctr" rotWithShape="0">
+                    <a:schemeClr val="bg2"/>
+                  </a:outerShdw>
+                </a:effectLst>
+              </a14:hiddenEffects>
+            </a:ext>
+          </a:extLst>
+        </p:spPr>
+        <p:txBody>
+          <a:bodyPr wrap="none">
+            <a:spAutoFit/>
+          </a:bodyPr>
+          <a:lstStyle/>
+          <a:p>
+            <a:pPr algn="ctr">
+              <a:buFont typeface="Arial" charset="0"/>
+              <a:buNone/>
+            </a:pPr>
+            <a:r>
+              <a:rPr lang="en-US" altLang="zh-CN" sz="2400" b="1" dirty="0">
+                <a:solidFill>
+                  <a:schemeClr val="accent2"/>
+                </a:solidFill>
+              </a:rPr>
+              <a:t>5</a:t>
+            </a:r>
+            <a:r>
+              <a:rPr lang="zh-CN" altLang="en-US" sz="2400" b="1" dirty="0">
+                <a:solidFill>
+                  <a:schemeClr val="accent2"/>
+                </a:solidFill>
+              </a:rPr>
+              <a:t>、数据库设计</a:t>
+            </a:r>
+            <a:endParaRPr lang="en-US" altLang="zh-CN" sz="2400" b="1" dirty="0">
+              <a:solidFill>
+                <a:schemeClr val="accent2"/>
+              </a:solidFill>
+            </a:endParaRPr>
+          </a:p>
+        </p:txBody>
+      </p:sp>
+      <p:pic>
+        <p:nvPicPr>
+          <p:cNvPr id="5" name="图片 4">
+            <a:extLst>
+              <a:ext uri="{FF2B5EF4-FFF2-40B4-BE49-F238E27FC236}">
+                <a16:creationId xmlns:a16="http://schemas.microsoft.com/office/drawing/2014/main" id="{0132B081-3862-43BC-8B01-D3BED82C8C8C}"/>
+              </a:ext>
+            </a:extLst>
+          </p:cNvPr>
+          <p:cNvPicPr>
+            <a:picLocks noChangeAspect="1"/>
+          </p:cNvPicPr>
+          <p:nvPr/>
+        </p:nvPicPr>
+        <p:blipFill>
+          <a:blip r:embed="rId2"/>
+          <a:stretch>
+            <a:fillRect/>
+          </a:stretch>
+        </p:blipFill>
+        <p:spPr>
+          <a:xfrm>
+            <a:off x="1331640" y="234717"/>
+            <a:ext cx="4383775" cy="4731990"/>
+          </a:xfrm>
+          <a:prstGeom prst="rect">
+            <a:avLst/>
+          </a:prstGeom>
+        </p:spPr>
+      </p:pic>
+    </p:spTree>
+    <p:extLst>
+      <p:ext uri="{BB962C8B-B14F-4D97-AF65-F5344CB8AC3E}">
+        <p14:creationId xmlns:p14="http://schemas.microsoft.com/office/powerpoint/2010/main" val="3610393251"/>
       </p:ext>
     </p:extLst>
   </p:cSld>
@@ -21714,7 +21859,7 @@
           <a:graphicData uri="http://schemas.openxmlformats.org/presentationml/2006/ole">
             <mc:AlternateContent xmlns:mc="http://schemas.openxmlformats.org/markup-compatibility/2006">
               <mc:Choice xmlns:v="urn:schemas-microsoft-com:vml" Requires="v">
-                <p:oleObj spid="_x0000_s1047" name="Visio" r:id="rId3" imgW="4518412" imgH="4815589" progId="Visio.Drawing.15">
+                <p:oleObj spid="_x0000_s1048" name="Visio" r:id="rId3" imgW="4518412" imgH="4815589" progId="Visio.Drawing.15">
                   <p:embed/>
                 </p:oleObj>
               </mc:Choice>
@@ -22851,7 +22996,7 @@
           <a:graphicData uri="http://schemas.openxmlformats.org/presentationml/2006/ole">
             <mc:AlternateContent xmlns:mc="http://schemas.openxmlformats.org/markup-compatibility/2006">
               <mc:Choice xmlns:v="urn:schemas-microsoft-com:vml" Requires="v">
-                <p:oleObj spid="_x0000_s6166" name="Visio" r:id="rId3" imgW="3756270" imgH="4701477" progId="Visio.Drawing.15">
+                <p:oleObj spid="_x0000_s6167" name="Visio" r:id="rId3" imgW="3756270" imgH="4701477" progId="Visio.Drawing.15">
                   <p:embed/>
                 </p:oleObj>
               </mc:Choice>
@@ -23973,7 +24118,7 @@
           <a:graphicData uri="http://schemas.openxmlformats.org/presentationml/2006/ole">
             <mc:AlternateContent xmlns:mc="http://schemas.openxmlformats.org/markup-compatibility/2006">
               <mc:Choice xmlns:v="urn:schemas-microsoft-com:vml" Requires="v">
-                <p:oleObj spid="_x0000_s5137" name="Visio" r:id="rId3" imgW="3032406" imgH="3825067" progId="Visio.Drawing.15">
+                <p:oleObj spid="_x0000_s5138" name="Visio" r:id="rId3" imgW="3032406" imgH="3825067" progId="Visio.Drawing.15">
                   <p:embed/>
                 </p:oleObj>
               </mc:Choice>
@@ -25144,7 +25289,7 @@
           <a:graphicData uri="http://schemas.openxmlformats.org/presentationml/2006/ole">
             <mc:AlternateContent xmlns:mc="http://schemas.openxmlformats.org/markup-compatibility/2006">
               <mc:Choice xmlns:v="urn:schemas-microsoft-com:vml" Requires="v">
-                <p:oleObj spid="_x0000_s4112" name="Visio" r:id="rId3" imgW="2926080" imgH="3794524" progId="Visio.Drawing.15">
+                <p:oleObj spid="_x0000_s4113" name="Visio" r:id="rId3" imgW="2926080" imgH="3794524" progId="Visio.Drawing.15">
                   <p:embed/>
                 </p:oleObj>
               </mc:Choice>
